--- a/Presentation.pptx
+++ b/Presentation.pptx
@@ -1,6 +1,6 @@
 
 <file path=ppt/presentation.xml><?xml version="1.0" encoding="utf-8"?>
-<p:presentation xmlns:a="http://schemas.openxmlformats.org/drawingml/2006/main" xmlns:r="http://schemas.openxmlformats.org/officeDocument/2006/relationships" xmlns:mc="http://schemas.openxmlformats.org/markup-compatibility/2006" xmlns:mv="urn:schemas-microsoft-com:mac:vml" xmlns:p="http://schemas.openxmlformats.org/presentationml/2006/main" mc:Ignorable="mv" mc:PreserveAttributes="mv:*" saveSubsetFonts="1" autoCompressPictures="0">
+<p:presentation xmlns:a="http://schemas.openxmlformats.org/drawingml/2006/main" xmlns:r="http://schemas.openxmlformats.org/officeDocument/2006/relationships" xmlns:p="http://schemas.openxmlformats.org/presentationml/2006/main" saveSubsetFonts="1" autoCompressPictures="0">
   <p:sldMasterIdLst>
     <p:sldMasterId id="2147483648" r:id="rId1"/>
   </p:sldMasterIdLst>
@@ -9,6 +9,8 @@
     <p:sldId id="257" r:id="rId3"/>
     <p:sldId id="258" r:id="rId4"/>
     <p:sldId id="259" r:id="rId5"/>
+    <p:sldId id="260" r:id="rId6"/>
+    <p:sldId id="261" r:id="rId7"/>
   </p:sldIdLst>
   <p:sldSz cx="9144000" cy="6858000" type="screen4x3"/>
   <p:notesSz cx="6858000" cy="9144000"/>
@@ -111,7 +113,7 @@
 </file>
 
 <file path=ppt/slideLayouts/slideLayout1.xml><?xml version="1.0" encoding="utf-8"?>
-<p:sldLayout xmlns:a="http://schemas.openxmlformats.org/drawingml/2006/main" xmlns:r="http://schemas.openxmlformats.org/officeDocument/2006/relationships" xmlns:mc="http://schemas.openxmlformats.org/markup-compatibility/2006" xmlns:mv="urn:schemas-microsoft-com:mac:vml" xmlns:p="http://schemas.openxmlformats.org/presentationml/2006/main" mc:Ignorable="mv" mc:PreserveAttributes="mv:*" type="title" preserve="1">
+<p:sldLayout xmlns:a="http://schemas.openxmlformats.org/drawingml/2006/main" xmlns:r="http://schemas.openxmlformats.org/officeDocument/2006/relationships" xmlns:p="http://schemas.openxmlformats.org/presentationml/2006/main" type="title" preserve="1">
   <p:cSld name="Title Slide">
     <p:spTree>
       <p:nvGrpSpPr>
@@ -348,7 +350,7 @@
 </file>
 
 <file path=ppt/slideLayouts/slideLayout10.xml><?xml version="1.0" encoding="utf-8"?>
-<p:sldLayout xmlns:a="http://schemas.openxmlformats.org/drawingml/2006/main" xmlns:r="http://schemas.openxmlformats.org/officeDocument/2006/relationships" xmlns:mc="http://schemas.openxmlformats.org/markup-compatibility/2006" xmlns:mv="urn:schemas-microsoft-com:mac:vml" xmlns:p="http://schemas.openxmlformats.org/presentationml/2006/main" mc:Ignorable="mv" mc:PreserveAttributes="mv:*" type="vertTx" preserve="1">
+<p:sldLayout xmlns:a="http://schemas.openxmlformats.org/drawingml/2006/main" xmlns:r="http://schemas.openxmlformats.org/officeDocument/2006/relationships" xmlns:p="http://schemas.openxmlformats.org/presentationml/2006/main" type="vertTx" preserve="1">
   <p:cSld name="Title and Vertical Text">
     <p:spTree>
       <p:nvGrpSpPr>
@@ -513,7 +515,7 @@
 </file>
 
 <file path=ppt/slideLayouts/slideLayout11.xml><?xml version="1.0" encoding="utf-8"?>
-<p:sldLayout xmlns:a="http://schemas.openxmlformats.org/drawingml/2006/main" xmlns:r="http://schemas.openxmlformats.org/officeDocument/2006/relationships" xmlns:mc="http://schemas.openxmlformats.org/markup-compatibility/2006" xmlns:mv="urn:schemas-microsoft-com:mac:vml" xmlns:p="http://schemas.openxmlformats.org/presentationml/2006/main" mc:Ignorable="mv" mc:PreserveAttributes="mv:*" type="vertTitleAndTx" preserve="1">
+<p:sldLayout xmlns:a="http://schemas.openxmlformats.org/drawingml/2006/main" xmlns:r="http://schemas.openxmlformats.org/officeDocument/2006/relationships" xmlns:p="http://schemas.openxmlformats.org/presentationml/2006/main" type="vertTitleAndTx" preserve="1">
   <p:cSld name="Vertical Title and Text">
     <p:spTree>
       <p:nvGrpSpPr>
@@ -688,7 +690,7 @@
 </file>
 
 <file path=ppt/slideLayouts/slideLayout2.xml><?xml version="1.0" encoding="utf-8"?>
-<p:sldLayout xmlns:a="http://schemas.openxmlformats.org/drawingml/2006/main" xmlns:r="http://schemas.openxmlformats.org/officeDocument/2006/relationships" xmlns:mc="http://schemas.openxmlformats.org/markup-compatibility/2006" xmlns:mv="urn:schemas-microsoft-com:mac:vml" xmlns:p="http://schemas.openxmlformats.org/presentationml/2006/main" mc:Ignorable="mv" mc:PreserveAttributes="mv:*" type="obj" preserve="1">
+<p:sldLayout xmlns:a="http://schemas.openxmlformats.org/drawingml/2006/main" xmlns:r="http://schemas.openxmlformats.org/officeDocument/2006/relationships" xmlns:p="http://schemas.openxmlformats.org/presentationml/2006/main" type="obj" preserve="1">
   <p:cSld name="Title and Content">
     <p:spTree>
       <p:nvGrpSpPr>
@@ -853,7 +855,7 @@
 </file>
 
 <file path=ppt/slideLayouts/slideLayout3.xml><?xml version="1.0" encoding="utf-8"?>
-<p:sldLayout xmlns:a="http://schemas.openxmlformats.org/drawingml/2006/main" xmlns:r="http://schemas.openxmlformats.org/officeDocument/2006/relationships" xmlns:mc="http://schemas.openxmlformats.org/markup-compatibility/2006" xmlns:mv="urn:schemas-microsoft-com:mac:vml" xmlns:p="http://schemas.openxmlformats.org/presentationml/2006/main" mc:Ignorable="mv" mc:PreserveAttributes="mv:*" type="secHead" preserve="1">
+<p:sldLayout xmlns:a="http://schemas.openxmlformats.org/drawingml/2006/main" xmlns:r="http://schemas.openxmlformats.org/officeDocument/2006/relationships" xmlns:p="http://schemas.openxmlformats.org/presentationml/2006/main" type="secHead" preserve="1">
   <p:cSld name="Section Header">
     <p:spTree>
       <p:nvGrpSpPr>
@@ -1094,7 +1096,7 @@
 </file>
 
 <file path=ppt/slideLayouts/slideLayout4.xml><?xml version="1.0" encoding="utf-8"?>
-<p:sldLayout xmlns:a="http://schemas.openxmlformats.org/drawingml/2006/main" xmlns:r="http://schemas.openxmlformats.org/officeDocument/2006/relationships" xmlns:mc="http://schemas.openxmlformats.org/markup-compatibility/2006" xmlns:mv="urn:schemas-microsoft-com:mac:vml" xmlns:p="http://schemas.openxmlformats.org/presentationml/2006/main" mc:Ignorable="mv" mc:PreserveAttributes="mv:*" type="twoObj" preserve="1">
+<p:sldLayout xmlns:a="http://schemas.openxmlformats.org/drawingml/2006/main" xmlns:r="http://schemas.openxmlformats.org/officeDocument/2006/relationships" xmlns:p="http://schemas.openxmlformats.org/presentationml/2006/main" type="twoObj" preserve="1">
   <p:cSld name="Two Content">
     <p:spTree>
       <p:nvGrpSpPr>
@@ -1377,7 +1379,7 @@
 </file>
 
 <file path=ppt/slideLayouts/slideLayout5.xml><?xml version="1.0" encoding="utf-8"?>
-<p:sldLayout xmlns:a="http://schemas.openxmlformats.org/drawingml/2006/main" xmlns:r="http://schemas.openxmlformats.org/officeDocument/2006/relationships" xmlns:mc="http://schemas.openxmlformats.org/markup-compatibility/2006" xmlns:mv="urn:schemas-microsoft-com:mac:vml" xmlns:p="http://schemas.openxmlformats.org/presentationml/2006/main" mc:Ignorable="mv" mc:PreserveAttributes="mv:*" type="twoTxTwoObj" preserve="1">
+<p:sldLayout xmlns:a="http://schemas.openxmlformats.org/drawingml/2006/main" xmlns:r="http://schemas.openxmlformats.org/officeDocument/2006/relationships" xmlns:p="http://schemas.openxmlformats.org/presentationml/2006/main" type="twoTxTwoObj" preserve="1">
   <p:cSld name="Comparison">
     <p:spTree>
       <p:nvGrpSpPr>
@@ -1794,7 +1796,7 @@
 </file>
 
 <file path=ppt/slideLayouts/slideLayout6.xml><?xml version="1.0" encoding="utf-8"?>
-<p:sldLayout xmlns:a="http://schemas.openxmlformats.org/drawingml/2006/main" xmlns:r="http://schemas.openxmlformats.org/officeDocument/2006/relationships" xmlns:mc="http://schemas.openxmlformats.org/markup-compatibility/2006" xmlns:mv="urn:schemas-microsoft-com:mac:vml" xmlns:p="http://schemas.openxmlformats.org/presentationml/2006/main" mc:Ignorable="mv" mc:PreserveAttributes="mv:*" type="titleOnly" preserve="1">
+<p:sldLayout xmlns:a="http://schemas.openxmlformats.org/drawingml/2006/main" xmlns:r="http://schemas.openxmlformats.org/officeDocument/2006/relationships" xmlns:p="http://schemas.openxmlformats.org/presentationml/2006/main" type="titleOnly" preserve="1">
   <p:cSld name="Title Only">
     <p:spTree>
       <p:nvGrpSpPr>
@@ -1907,7 +1909,7 @@
 </file>
 
 <file path=ppt/slideLayouts/slideLayout7.xml><?xml version="1.0" encoding="utf-8"?>
-<p:sldLayout xmlns:a="http://schemas.openxmlformats.org/drawingml/2006/main" xmlns:r="http://schemas.openxmlformats.org/officeDocument/2006/relationships" xmlns:mc="http://schemas.openxmlformats.org/markup-compatibility/2006" xmlns:mv="urn:schemas-microsoft-com:mac:vml" xmlns:p="http://schemas.openxmlformats.org/presentationml/2006/main" mc:Ignorable="mv" mc:PreserveAttributes="mv:*" type="blank" preserve="1">
+<p:sldLayout xmlns:a="http://schemas.openxmlformats.org/drawingml/2006/main" xmlns:r="http://schemas.openxmlformats.org/officeDocument/2006/relationships" xmlns:p="http://schemas.openxmlformats.org/presentationml/2006/main" type="blank" preserve="1">
   <p:cSld name="Blank">
     <p:spTree>
       <p:nvGrpSpPr>
@@ -1997,7 +1999,7 @@
 </file>
 
 <file path=ppt/slideLayouts/slideLayout8.xml><?xml version="1.0" encoding="utf-8"?>
-<p:sldLayout xmlns:a="http://schemas.openxmlformats.org/drawingml/2006/main" xmlns:r="http://schemas.openxmlformats.org/officeDocument/2006/relationships" xmlns:mc="http://schemas.openxmlformats.org/markup-compatibility/2006" xmlns:mv="urn:schemas-microsoft-com:mac:vml" xmlns:p="http://schemas.openxmlformats.org/presentationml/2006/main" mc:Ignorable="mv" mc:PreserveAttributes="mv:*" type="objTx" preserve="1">
+<p:sldLayout xmlns:a="http://schemas.openxmlformats.org/drawingml/2006/main" xmlns:r="http://schemas.openxmlformats.org/officeDocument/2006/relationships" xmlns:p="http://schemas.openxmlformats.org/presentationml/2006/main" type="objTx" preserve="1">
   <p:cSld name="Content with Caption">
     <p:spTree>
       <p:nvGrpSpPr>
@@ -2269,7 +2271,7 @@
 </file>
 
 <file path=ppt/slideLayouts/slideLayout9.xml><?xml version="1.0" encoding="utf-8"?>
-<p:sldLayout xmlns:a="http://schemas.openxmlformats.org/drawingml/2006/main" xmlns:r="http://schemas.openxmlformats.org/officeDocument/2006/relationships" xmlns:mc="http://schemas.openxmlformats.org/markup-compatibility/2006" xmlns:mv="urn:schemas-microsoft-com:mac:vml" xmlns:p="http://schemas.openxmlformats.org/presentationml/2006/main" mc:Ignorable="mv" mc:PreserveAttributes="mv:*" type="picTx" preserve="1">
+<p:sldLayout xmlns:a="http://schemas.openxmlformats.org/drawingml/2006/main" xmlns:r="http://schemas.openxmlformats.org/officeDocument/2006/relationships" xmlns:p="http://schemas.openxmlformats.org/presentationml/2006/main" type="picTx" preserve="1">
   <p:cSld name="Picture with Caption">
     <p:spTree>
       <p:nvGrpSpPr>
@@ -2517,7 +2519,7 @@
 </file>
 
 <file path=ppt/slideMasters/slideMaster1.xml><?xml version="1.0" encoding="utf-8"?>
-<p:sldMaster xmlns:a="http://schemas.openxmlformats.org/drawingml/2006/main" xmlns:r="http://schemas.openxmlformats.org/officeDocument/2006/relationships" xmlns:mc="http://schemas.openxmlformats.org/markup-compatibility/2006" xmlns:mv="urn:schemas-microsoft-com:mac:vml" xmlns:p="http://schemas.openxmlformats.org/presentationml/2006/main" mc:Ignorable="mv" mc:PreserveAttributes="mv:*">
+<p:sldMaster xmlns:a="http://schemas.openxmlformats.org/drawingml/2006/main" xmlns:r="http://schemas.openxmlformats.org/officeDocument/2006/relationships" xmlns:p="http://schemas.openxmlformats.org/presentationml/2006/main">
   <p:cSld>
     <p:bg>
       <p:bgRef idx="1001">
@@ -3022,7 +3024,7 @@
 </file>
 
 <file path=ppt/slides/slide1.xml><?xml version="1.0" encoding="utf-8"?>
-<p:sld xmlns:a="http://schemas.openxmlformats.org/drawingml/2006/main" xmlns:r="http://schemas.openxmlformats.org/officeDocument/2006/relationships" xmlns:mc="http://schemas.openxmlformats.org/markup-compatibility/2006" xmlns:mv="urn:schemas-microsoft-com:mac:vml" xmlns:p="http://schemas.openxmlformats.org/presentationml/2006/main" mc:Ignorable="mv" mc:PreserveAttributes="mv:*">
+<p:sld xmlns:a="http://schemas.openxmlformats.org/drawingml/2006/main" xmlns:r="http://schemas.openxmlformats.org/officeDocument/2006/relationships" xmlns:p="http://schemas.openxmlformats.org/presentationml/2006/main">
   <p:cSld>
     <p:spTree>
       <p:nvGrpSpPr>
@@ -3055,7 +3057,7 @@
           <a:p>
             <a:r>
               <a:rPr lang="en-US" dirty="0" smtClean="0"/>
-              <a:t>DB!</a:t>
+              <a:t>Author Linkage!</a:t>
             </a:r>
             <a:endParaRPr lang="en-US" dirty="0"/>
           </a:p>
@@ -3076,7 +3078,25 @@
           <a:bodyPr/>
           <a:lstStyle/>
           <a:p>
-            <a:endParaRPr lang="en-US"/>
+            <a:r>
+              <a:rPr lang="en-US" dirty="0" smtClean="0"/>
+              <a:t>Sam Anzaroot</a:t>
+            </a:r>
+          </a:p>
+          <a:p>
+            <a:r>
+              <a:rPr lang="en-US" dirty="0" err="1" smtClean="0"/>
+              <a:t>Jiaping</a:t>
+            </a:r>
+            <a:r>
+              <a:rPr lang="en-US" dirty="0" smtClean="0"/>
+              <a:t> </a:t>
+            </a:r>
+            <a:r>
+              <a:rPr lang="en-US" dirty="0" err="1" smtClean="0"/>
+              <a:t>Zheng</a:t>
+            </a:r>
+            <a:endParaRPr lang="en-US" dirty="0"/>
           </a:p>
         </p:txBody>
       </p:sp>
@@ -3085,11 +3105,18 @@
   <p:clrMapOvr>
     <a:masterClrMapping/>
   </p:clrMapOvr>
+  <p:timing>
+    <p:tnLst>
+      <p:par>
+        <p:cTn xmlns:p14="http://schemas.microsoft.com/office/powerpoint/2010/main" id="1" dur="indefinite" restart="never" nodeType="tmRoot"/>
+      </p:par>
+    </p:tnLst>
+  </p:timing>
 </p:sld>
 </file>
 
 <file path=ppt/slides/slide2.xml><?xml version="1.0" encoding="utf-8"?>
-<p:sld xmlns:a="http://schemas.openxmlformats.org/drawingml/2006/main" xmlns:r="http://schemas.openxmlformats.org/officeDocument/2006/relationships" xmlns:mc="http://schemas.openxmlformats.org/markup-compatibility/2006" xmlns:mv="urn:schemas-microsoft-com:mac:vml" xmlns:p="http://schemas.openxmlformats.org/presentationml/2006/main" mc:Ignorable="mv" mc:PreserveAttributes="mv:*">
+<p:sld xmlns:a="http://schemas.openxmlformats.org/drawingml/2006/main" xmlns:r="http://schemas.openxmlformats.org/officeDocument/2006/relationships" xmlns:p="http://schemas.openxmlformats.org/presentationml/2006/main">
   <p:cSld>
     <p:spTree>
       <p:nvGrpSpPr>
@@ -3197,11 +3224,18 @@
   <p:clrMapOvr>
     <a:masterClrMapping/>
   </p:clrMapOvr>
+  <p:timing>
+    <p:tnLst>
+      <p:par>
+        <p:cTn xmlns:p14="http://schemas.microsoft.com/office/powerpoint/2010/main" id="1" dur="indefinite" restart="never" nodeType="tmRoot"/>
+      </p:par>
+    </p:tnLst>
+  </p:timing>
 </p:sld>
 </file>
 
 <file path=ppt/slides/slide3.xml><?xml version="1.0" encoding="utf-8"?>
-<p:sld xmlns:a="http://schemas.openxmlformats.org/drawingml/2006/main" xmlns:r="http://schemas.openxmlformats.org/officeDocument/2006/relationships" xmlns:mc="http://schemas.openxmlformats.org/markup-compatibility/2006" xmlns:mv="urn:schemas-microsoft-com:mac:vml" xmlns:p="http://schemas.openxmlformats.org/presentationml/2006/main" mc:Ignorable="mv" mc:PreserveAttributes="mv:*">
+<p:sld xmlns:a="http://schemas.openxmlformats.org/drawingml/2006/main" xmlns:r="http://schemas.openxmlformats.org/officeDocument/2006/relationships" xmlns:p="http://schemas.openxmlformats.org/presentationml/2006/main">
   <p:cSld>
     <p:spTree>
       <p:nvGrpSpPr>
@@ -3311,11 +3345,18 @@
   <p:clrMapOvr>
     <a:masterClrMapping/>
   </p:clrMapOvr>
+  <p:timing>
+    <p:tnLst>
+      <p:par>
+        <p:cTn xmlns:p14="http://schemas.microsoft.com/office/powerpoint/2010/main" id="1" dur="indefinite" restart="never" nodeType="tmRoot"/>
+      </p:par>
+    </p:tnLst>
+  </p:timing>
 </p:sld>
 </file>
 
 <file path=ppt/slides/slide4.xml><?xml version="1.0" encoding="utf-8"?>
-<p:sld xmlns:a="http://schemas.openxmlformats.org/drawingml/2006/main" xmlns:r="http://schemas.openxmlformats.org/officeDocument/2006/relationships" xmlns:mc="http://schemas.openxmlformats.org/markup-compatibility/2006" xmlns:mv="urn:schemas-microsoft-com:mac:vml" xmlns:p="http://schemas.openxmlformats.org/presentationml/2006/main" mc:Ignorable="mv" mc:PreserveAttributes="mv:*">
+<p:sld xmlns:a="http://schemas.openxmlformats.org/drawingml/2006/main" xmlns:r="http://schemas.openxmlformats.org/officeDocument/2006/relationships" xmlns:p="http://schemas.openxmlformats.org/presentationml/2006/main">
   <p:cSld>
     <p:spTree>
       <p:nvGrpSpPr>
@@ -3371,13 +3412,8 @@
           <a:p>
             <a:r>
               <a:rPr lang="en-US" dirty="0" smtClean="0"/>
-              <a:t>String similarity </a:t>
-            </a:r>
-            <a:r>
-              <a:rPr lang="en-US" dirty="0" smtClean="0"/>
-              <a:t>(names, venues, coauthors..)</a:t>
-            </a:r>
-            <a:endParaRPr lang="en-US" dirty="0" smtClean="0"/>
+              <a:t>String similarity (names, venues, coauthors..)</a:t>
+            </a:r>
           </a:p>
           <a:p>
             <a:pPr lvl="1"/>
@@ -3389,7 +3425,6 @@
               <a:rPr lang="en-US" dirty="0" smtClean="0"/>
               <a:t>-Winkler</a:t>
             </a:r>
-            <a:endParaRPr lang="en-US" dirty="0" smtClean="0"/>
           </a:p>
           <a:p>
             <a:r>
@@ -3417,24 +3452,12 @@
           </p:cNvPicPr>
           <p:nvPr/>
         </p:nvPicPr>
-        <mc:AlternateContent>
-          <mc:Choice xmlns:ma="http://schemas.microsoft.com/office/mac/drawingml/2008/main" Requires="ma">
-            <p:blipFill>
-              <a:blip r:embed="rId2"/>
-              <a:stretch>
-                <a:fillRect/>
-              </a:stretch>
-            </p:blipFill>
-          </mc:Choice>
-          <mc:Fallback>
-            <p:blipFill>
-              <a:blip r:embed="rId3"/>
-              <a:stretch>
-                <a:fillRect/>
-              </a:stretch>
-            </p:blipFill>
-          </mc:Fallback>
-        </mc:AlternateContent>
+        <p:blipFill>
+          <a:blip r:embed="rId2"/>
+          <a:stretch>
+            <a:fillRect/>
+          </a:stretch>
+        </p:blipFill>
         <p:spPr>
           <a:xfrm>
             <a:off x="6426200" y="2597865"/>
@@ -3454,7 +3477,7 @@
           <p:nvPr/>
         </p:nvPicPr>
         <p:blipFill>
-          <a:blip r:embed="rId4"/>
+          <a:blip r:embed="rId3"/>
           <a:stretch>
             <a:fillRect/>
           </a:stretch>
@@ -3519,6 +3542,356 @@
         </p:txBody>
       </p:sp>
     </p:spTree>
+  </p:cSld>
+  <p:clrMapOvr>
+    <a:masterClrMapping/>
+  </p:clrMapOvr>
+</p:sld>
+</file>
+
+<file path=ppt/slides/slide5.xml><?xml version="1.0" encoding="utf-8"?>
+<p:sld xmlns:a="http://schemas.openxmlformats.org/drawingml/2006/main" xmlns:r="http://schemas.openxmlformats.org/officeDocument/2006/relationships" xmlns:p="http://schemas.openxmlformats.org/presentationml/2006/main">
+  <p:cSld>
+    <p:spTree>
+      <p:nvGrpSpPr>
+        <p:cNvPr id="1" name=""/>
+        <p:cNvGrpSpPr/>
+        <p:nvPr/>
+      </p:nvGrpSpPr>
+      <p:grpSpPr>
+        <a:xfrm>
+          <a:off x="0" y="0"/>
+          <a:ext cx="0" cy="0"/>
+          <a:chOff x="0" y="0"/>
+          <a:chExt cx="0" cy="0"/>
+        </a:xfrm>
+      </p:grpSpPr>
+      <p:sp>
+        <p:nvSpPr>
+          <p:cNvPr id="2" name="Title 1"/>
+          <p:cNvSpPr>
+            <a:spLocks noGrp="1"/>
+          </p:cNvSpPr>
+          <p:nvPr>
+            <p:ph type="title"/>
+          </p:nvPr>
+        </p:nvSpPr>
+        <p:spPr/>
+        <p:txBody>
+          <a:bodyPr/>
+          <a:lstStyle/>
+          <a:p>
+            <a:r>
+              <a:rPr lang="en-US" dirty="0" smtClean="0"/>
+              <a:t>Methodology - Classifier</a:t>
+            </a:r>
+            <a:endParaRPr lang="en-US" dirty="0"/>
+          </a:p>
+        </p:txBody>
+      </p:sp>
+      <p:pic>
+        <p:nvPicPr>
+          <p:cNvPr id="4" name="Picture 3"/>
+          <p:cNvPicPr/>
+          <p:nvPr/>
+        </p:nvPicPr>
+        <p:blipFill>
+          <a:blip r:embed="rId2"/>
+          <a:stretch>
+            <a:fillRect/>
+          </a:stretch>
+        </p:blipFill>
+        <p:spPr>
+          <a:xfrm>
+            <a:off x="2276554" y="4692747"/>
+            <a:ext cx="6492240" cy="1876653"/>
+          </a:xfrm>
+          <a:prstGeom prst="rect">
+            <a:avLst/>
+          </a:prstGeom>
+        </p:spPr>
+      </p:pic>
+      <p:sp>
+        <p:nvSpPr>
+          <p:cNvPr id="3" name="Content Placeholder 2"/>
+          <p:cNvSpPr>
+            <a:spLocks noGrp="1"/>
+          </p:cNvSpPr>
+          <p:nvPr>
+            <p:ph idx="1"/>
+          </p:nvPr>
+        </p:nvSpPr>
+        <p:spPr/>
+        <p:txBody>
+          <a:bodyPr/>
+          <a:lstStyle/>
+          <a:p>
+            <a:pPr marL="0" indent="0">
+              <a:buSzPct val="45000"/>
+              <a:buNone/>
+            </a:pPr>
+            <a:r>
+              <a:rPr lang="en-US" dirty="0"/>
+              <a:t>Consider pairs of author mentions &lt;Ai, </a:t>
+            </a:r>
+            <a:r>
+              <a:rPr lang="en-US" dirty="0" err="1"/>
+              <a:t>Aj</a:t>
+            </a:r>
+            <a:r>
+              <a:rPr lang="en-US" dirty="0"/>
+              <a:t>&gt;</a:t>
+            </a:r>
+          </a:p>
+          <a:p>
+            <a:pPr marL="0" indent="0">
+              <a:buSzPct val="45000"/>
+              <a:buNone/>
+            </a:pPr>
+            <a:r>
+              <a:rPr lang="en-US" dirty="0"/>
+              <a:t>Compatibilities of</a:t>
+            </a:r>
+          </a:p>
+          <a:p>
+            <a:pPr lvl="1">
+              <a:buSzPct val="75000"/>
+              <a:buFont typeface="StarSymbol"/>
+              <a:buChar char=""/>
+            </a:pPr>
+            <a:r>
+              <a:rPr lang="en-US" dirty="0"/>
+              <a:t>Name</a:t>
+            </a:r>
+          </a:p>
+          <a:p>
+            <a:pPr lvl="1">
+              <a:buSzPct val="75000"/>
+              <a:buFont typeface="StarSymbol"/>
+              <a:buChar char=""/>
+            </a:pPr>
+            <a:r>
+              <a:rPr lang="en-US" dirty="0"/>
+              <a:t>Venue</a:t>
+            </a:r>
+          </a:p>
+          <a:p>
+            <a:pPr lvl="1">
+              <a:buSzPct val="75000"/>
+              <a:buFont typeface="StarSymbol"/>
+              <a:buChar char=""/>
+            </a:pPr>
+            <a:r>
+              <a:rPr lang="en-US" dirty="0"/>
+              <a:t>Affiliation</a:t>
+            </a:r>
+          </a:p>
+          <a:p>
+            <a:pPr lvl="1">
+              <a:buSzPct val="75000"/>
+              <a:buFont typeface="StarSymbol"/>
+              <a:buChar char=""/>
+            </a:pPr>
+            <a:r>
+              <a:rPr lang="en-US" dirty="0"/>
+              <a:t>Coauthors</a:t>
+            </a:r>
+          </a:p>
+          <a:p>
+            <a:pPr marL="0" indent="0">
+              <a:buSzPct val="45000"/>
+              <a:buNone/>
+            </a:pPr>
+            <a:r>
+              <a:rPr lang="en-US" dirty="0"/>
+              <a:t>Time difference</a:t>
+            </a:r>
+          </a:p>
+        </p:txBody>
+      </p:sp>
+    </p:spTree>
+    <p:extLst>
+      <p:ext uri="{BB962C8B-B14F-4D97-AF65-F5344CB8AC3E}">
+        <p14:creationId xmlns:p14="http://schemas.microsoft.com/office/powerpoint/2010/main" val="788333448"/>
+      </p:ext>
+    </p:extLst>
+  </p:cSld>
+  <p:clrMapOvr>
+    <a:masterClrMapping/>
+  </p:clrMapOvr>
+</p:sld>
+</file>
+
+<file path=ppt/slides/slide6.xml><?xml version="1.0" encoding="utf-8"?>
+<p:sld xmlns:a="http://schemas.openxmlformats.org/drawingml/2006/main" xmlns:r="http://schemas.openxmlformats.org/officeDocument/2006/relationships" xmlns:p="http://schemas.openxmlformats.org/presentationml/2006/main">
+  <p:cSld>
+    <p:spTree>
+      <p:nvGrpSpPr>
+        <p:cNvPr id="1" name=""/>
+        <p:cNvGrpSpPr/>
+        <p:nvPr/>
+      </p:nvGrpSpPr>
+      <p:grpSpPr>
+        <a:xfrm>
+          <a:off x="0" y="0"/>
+          <a:ext cx="0" cy="0"/>
+          <a:chOff x="0" y="0"/>
+          <a:chExt cx="0" cy="0"/>
+        </a:xfrm>
+      </p:grpSpPr>
+      <p:sp>
+        <p:nvSpPr>
+          <p:cNvPr id="2" name="Title 1"/>
+          <p:cNvSpPr>
+            <a:spLocks noGrp="1"/>
+          </p:cNvSpPr>
+          <p:nvPr>
+            <p:ph type="title"/>
+          </p:nvPr>
+        </p:nvSpPr>
+        <p:spPr/>
+        <p:txBody>
+          <a:bodyPr/>
+          <a:lstStyle/>
+          <a:p>
+            <a:r>
+              <a:rPr lang="en-US" dirty="0" smtClean="0"/>
+              <a:t>Evaluation</a:t>
+            </a:r>
+            <a:endParaRPr lang="en-US" dirty="0"/>
+          </a:p>
+        </p:txBody>
+      </p:sp>
+      <p:sp>
+        <p:nvSpPr>
+          <p:cNvPr id="3" name="Content Placeholder 2"/>
+          <p:cNvSpPr>
+            <a:spLocks noGrp="1"/>
+          </p:cNvSpPr>
+          <p:nvPr>
+            <p:ph idx="1"/>
+          </p:nvPr>
+        </p:nvSpPr>
+        <p:spPr/>
+        <p:txBody>
+          <a:bodyPr/>
+          <a:lstStyle/>
+          <a:p>
+            <a:pPr marL="0" indent="0">
+              <a:buSzPct val="45000"/>
+              <a:buNone/>
+            </a:pPr>
+            <a:r>
+              <a:rPr lang="en-US" dirty="0" smtClean="0"/>
+              <a:t>Simple accuracy </a:t>
+            </a:r>
+            <a:r>
+              <a:rPr lang="en-US" dirty="0"/>
+              <a:t>is not accurate</a:t>
+            </a:r>
+          </a:p>
+          <a:p>
+            <a:pPr marL="0" indent="0">
+              <a:buSzPct val="45000"/>
+              <a:buNone/>
+            </a:pPr>
+            <a:r>
+              <a:rPr lang="en-US" dirty="0"/>
+              <a:t>a1 = a2, a2 = a3, a1 </a:t>
+            </a:r>
+            <a:r>
+              <a:rPr lang="en-US" dirty="0">
+                <a:latin typeface="Arial"/>
+                <a:ea typeface="Arial"/>
+              </a:rPr>
+              <a:t>≠ a3</a:t>
+            </a:r>
+            <a:endParaRPr lang="en-US" dirty="0"/>
+          </a:p>
+          <a:p>
+            <a:pPr marL="0" indent="0">
+              <a:buSzPct val="45000"/>
+              <a:buNone/>
+            </a:pPr>
+            <a:r>
+              <a:rPr lang="en-US" dirty="0">
+                <a:latin typeface="Arial"/>
+                <a:ea typeface="Arial"/>
+              </a:rPr>
+              <a:t>Use metrics from </a:t>
+            </a:r>
+            <a:r>
+              <a:rPr lang="en-US" dirty="0" err="1">
+                <a:latin typeface="Arial"/>
+                <a:ea typeface="Arial"/>
+              </a:rPr>
+              <a:t>coreference</a:t>
+            </a:r>
+            <a:r>
+              <a:rPr lang="en-US" dirty="0">
+                <a:latin typeface="Arial"/>
+                <a:ea typeface="Arial"/>
+              </a:rPr>
+              <a:t> resolution</a:t>
+            </a:r>
+            <a:endParaRPr lang="en-US" dirty="0"/>
+          </a:p>
+          <a:p>
+            <a:pPr lvl="1">
+              <a:buSzPct val="75000"/>
+              <a:buFont typeface="StarSymbol"/>
+              <a:buChar char=""/>
+            </a:pPr>
+            <a:r>
+              <a:rPr lang="en-US" dirty="0">
+                <a:latin typeface="Arial"/>
+                <a:ea typeface="Arial"/>
+              </a:rPr>
+              <a:t>Cluster textual mentions into entities (compare to: cluster author mentions to author entities)</a:t>
+            </a:r>
+            <a:endParaRPr lang="en-US" dirty="0"/>
+          </a:p>
+          <a:p>
+            <a:pPr lvl="1">
+              <a:buSzPct val="75000"/>
+              <a:buFont typeface="StarSymbol"/>
+              <a:buChar char=""/>
+            </a:pPr>
+            <a:r>
+              <a:rPr lang="en-US" dirty="0">
+                <a:latin typeface="Arial"/>
+                <a:ea typeface="Arial"/>
+              </a:rPr>
+              <a:t>MUC</a:t>
+            </a:r>
+            <a:endParaRPr lang="en-US" dirty="0"/>
+          </a:p>
+          <a:p>
+            <a:pPr lvl="1">
+              <a:buSzPct val="75000"/>
+              <a:buFont typeface="StarSymbol"/>
+              <a:buChar char=""/>
+            </a:pPr>
+            <a:r>
+              <a:rPr lang="en-US" dirty="0">
+                <a:latin typeface="Arial"/>
+                <a:ea typeface="Arial"/>
+              </a:rPr>
+              <a:t>B3</a:t>
+            </a:r>
+            <a:endParaRPr lang="en-US" dirty="0"/>
+          </a:p>
+          <a:p>
+            <a:endParaRPr lang="en-US" dirty="0"/>
+          </a:p>
+        </p:txBody>
+      </p:sp>
+    </p:spTree>
+    <p:extLst>
+      <p:ext uri="{BB962C8B-B14F-4D97-AF65-F5344CB8AC3E}">
+        <p14:creationId xmlns:p14="http://schemas.microsoft.com/office/powerpoint/2010/main" val="3126084118"/>
+      </p:ext>
+    </p:extLst>
   </p:cSld>
   <p:clrMapOvr>
     <a:masterClrMapping/>
